--- a/Bank Loan Problem statement.pptx
+++ b/Bank Loan Problem statement.pptx
@@ -2917,11 +2917,10 @@
   <p:cSld>
     <p:bg>
       <p:bgPr>
-        <a:solidFill>
-          <a:schemeClr val="accent2">
-            <a:lumMod val="50000"/>
-          </a:schemeClr>
-        </a:solidFill>
+        <a:blipFill rotWithShape="1">
+          <a:blip r:embed="rId1"/>
+          <a:tile tx="0" ty="0" sx="100000" sy="100000" flip="none" algn="tl"/>
+        </a:blipFill>
         <a:effectLst/>
       </p:bgPr>
     </p:bg>
@@ -3037,12 +3036,12 @@
           <p:nvPr/>
         </p:nvPicPr>
         <p:blipFill>
-          <a:blip r:embed="rId1">
+          <a:blip r:embed="rId2">
             <a:lum bright="70000" contrast="-70000"/>
             <a:extLst>
               <a:ext uri="{BEBA8EAE-BF5A-486C-A8C5-ECC9F3942E4B}">
                 <a14:imgProps xmlns:a14="http://schemas.microsoft.com/office/drawing/2010/main">
-                  <a14:imgLayer r:embed="rId2">
+                  <a14:imgLayer r:embed="rId3">
                     <a14:imgEffect>
                       <a14:colorTemperature colorTemp="4700"/>
                     </a14:imgEffect>
@@ -3061,7 +3060,7 @@
         </p:blipFill>
         <p:spPr bwMode="auto">
           <a:xfrm>
-            <a:off x="1867409" y="2494495"/>
+            <a:off x="1867409" y="2189695"/>
             <a:ext cx="2513849" cy="3015392"/>
           </a:xfrm>
           <a:prstGeom prst="rect">
@@ -3088,7 +3087,7 @@
           <p:nvPr/>
         </p:nvPicPr>
         <p:blipFill rotWithShape="1">
-          <a:blip r:embed="rId3">
+          <a:blip r:embed="rId4">
             <a:duotone>
               <a:schemeClr val="accent2">
                 <a:shade val="45000"/>
@@ -3109,7 +3108,7 @@
         </p:blipFill>
         <p:spPr bwMode="auto">
           <a:xfrm>
-            <a:off x="4675950" y="2246966"/>
+            <a:off x="4675950" y="1770716"/>
             <a:ext cx="1631368" cy="3510451"/>
           </a:xfrm>
           <a:prstGeom prst="rect">
@@ -3136,7 +3135,7 @@
           <p:nvPr/>
         </p:nvPicPr>
         <p:blipFill rotWithShape="1">
-          <a:blip r:embed="rId3">
+          <a:blip r:embed="rId4">
             <a:duotone>
               <a:schemeClr val="accent4">
                 <a:shade val="45000"/>
@@ -3157,7 +3156,7 @@
         </p:blipFill>
         <p:spPr bwMode="auto">
           <a:xfrm>
-            <a:off x="5961956" y="2246966"/>
+            <a:off x="5961956" y="1780241"/>
             <a:ext cx="1327880" cy="3510451"/>
           </a:xfrm>
           <a:prstGeom prst="rect">
@@ -3184,7 +3183,7 @@
           <p:nvPr/>
         </p:nvPicPr>
         <p:blipFill>
-          <a:blip r:embed="rId4">
+          <a:blip r:embed="rId5">
             <a:extLst>
               <a:ext uri="{28A0092B-C50C-407E-A947-70E740481C1C}">
                 <a14:useLocalDpi xmlns:a14="http://schemas.microsoft.com/office/drawing/2010/main" val="0"/>
@@ -3197,7 +3196,7 @@
         </p:blipFill>
         <p:spPr>
           <a:xfrm>
-            <a:off x="6954866" y="2863504"/>
+            <a:off x="6954866" y="2568229"/>
             <a:ext cx="4095498" cy="2303718"/>
           </a:xfrm>
           <a:prstGeom prst="rect">
@@ -3268,7 +3267,7 @@
             <p:nvPr/>
           </p:nvPicPr>
           <p:blipFill>
-            <a:blip r:embed="rId4">
+            <a:blip r:embed="rId5">
               <a:extLst>
                 <a:ext uri="{28A0092B-C50C-407E-A947-70E740481C1C}">
                   <a14:useLocalDpi xmlns:a14="http://schemas.microsoft.com/office/drawing/2010/main" val="0"/>
@@ -3290,6 +3289,100 @@
           </p:spPr>
         </p:pic>
       </p:grpSp>
+      <p:sp>
+        <p:nvSpPr>
+          <p:cNvPr id="11" name="Rectangles 10"/>
+          <p:cNvSpPr/>
+          <p:nvPr/>
+        </p:nvSpPr>
+        <p:spPr>
+          <a:xfrm>
+            <a:off x="2389505" y="5287010"/>
+            <a:ext cx="7412990" cy="1198880"/>
+          </a:xfrm>
+          <a:prstGeom prst="rect">
+            <a:avLst/>
+          </a:prstGeom>
+          <a:noFill/>
+          <a:ln>
+            <a:noFill/>
+          </a:ln>
+        </p:spPr>
+        <p:txBody>
+          <a:bodyPr wrap="none" rtlCol="0" anchor="t">
+            <a:spAutoFit/>
+            <a:scene3d>
+              <a:camera prst="orthographicFront"/>
+              <a:lightRig rig="threePt" dir="t"/>
+            </a:scene3d>
+            <a:sp3d prstMaterial="softEdge"/>
+          </a:bodyPr>
+          <a:p>
+            <a:pPr algn="ctr"/>
+            <a:r>
+              <a:rPr lang="en-US" altLang="zh-CN" sz="7200" b="1">
+                <a:ln w="12700" cmpd="sng">
+                  <a:solidFill>
+                    <a:schemeClr val="accent4"/>
+                  </a:solidFill>
+                  <a:prstDash val="solid"/>
+                </a:ln>
+                <a:gradFill>
+                  <a:gsLst>
+                    <a:gs pos="0">
+                      <a:schemeClr val="accent4"/>
+                    </a:gs>
+                    <a:gs pos="4000">
+                      <a:schemeClr val="accent4">
+                        <a:lumMod val="60000"/>
+                        <a:lumOff val="40000"/>
+                      </a:schemeClr>
+                    </a:gs>
+                    <a:gs pos="87000">
+                      <a:schemeClr val="accent4">
+                        <a:lumMod val="20000"/>
+                        <a:lumOff val="80000"/>
+                      </a:schemeClr>
+                    </a:gs>
+                  </a:gsLst>
+                  <a:lin ang="5400000"/>
+                </a:gradFill>
+                <a:effectLst/>
+              </a:rPr>
+              <a:t>Bank Loan Analysis</a:t>
+            </a:r>
+            <a:endParaRPr lang="en-US" altLang="zh-CN" sz="7200" b="1">
+              <a:ln w="12700" cmpd="sng">
+                <a:solidFill>
+                  <a:schemeClr val="accent4"/>
+                </a:solidFill>
+                <a:prstDash val="solid"/>
+              </a:ln>
+              <a:gradFill>
+                <a:gsLst>
+                  <a:gs pos="0">
+                    <a:schemeClr val="accent4"/>
+                  </a:gs>
+                  <a:gs pos="4000">
+                    <a:schemeClr val="accent4">
+                      <a:lumMod val="60000"/>
+                      <a:lumOff val="40000"/>
+                    </a:schemeClr>
+                  </a:gs>
+                  <a:gs pos="87000">
+                    <a:schemeClr val="accent4">
+                      <a:lumMod val="20000"/>
+                      <a:lumOff val="80000"/>
+                    </a:schemeClr>
+                  </a:gs>
+                </a:gsLst>
+                <a:lin ang="5400000"/>
+              </a:gradFill>
+              <a:effectLst/>
+            </a:endParaRPr>
+          </a:p>
+        </p:txBody>
+      </p:sp>
     </p:spTree>
   </p:cSld>
   <p:clrMapOvr>

--- a/Bank Loan Problem statement.pptx
+++ b/Bank Loan Problem statement.pptx
@@ -5,15 +5,15 @@
     <p:sldMasterId id="2147483648" r:id="rId1"/>
   </p:sldMasterIdLst>
   <p:sldIdLst>
-    <p:sldId id="271" r:id="rId3"/>
-    <p:sldId id="261" r:id="rId4"/>
-    <p:sldId id="262" r:id="rId5"/>
-    <p:sldId id="275" r:id="rId6"/>
-    <p:sldId id="263" r:id="rId7"/>
-    <p:sldId id="274" r:id="rId8"/>
-    <p:sldId id="264" r:id="rId9"/>
-    <p:sldId id="272" r:id="rId10"/>
-    <p:sldId id="259" r:id="rId11"/>
+    <p:sldId id="271" r:id="rId2"/>
+    <p:sldId id="261" r:id="rId3"/>
+    <p:sldId id="262" r:id="rId4"/>
+    <p:sldId id="275" r:id="rId5"/>
+    <p:sldId id="263" r:id="rId6"/>
+    <p:sldId id="274" r:id="rId7"/>
+    <p:sldId id="264" r:id="rId8"/>
+    <p:sldId id="272" r:id="rId9"/>
+    <p:sldId id="259" r:id="rId10"/>
   </p:sldIdLst>
   <p:sldSz cx="12192000" cy="6858000"/>
   <p:notesSz cx="6858000" cy="9144000"/>
@@ -112,6 +112,11 @@
       </a:defRPr>
     </a:lvl9pPr>
   </p:defaultTextStyle>
+  <p:extLst>
+    <p:ext uri="{EFAFB233-063F-42B5-8137-9DF3F51BA10A}">
+      <p15:sldGuideLst xmlns:p15="http://schemas.microsoft.com/office/powerpoint/2012/main"/>
+    </p:ext>
+  </p:extLst>
 </p:presentation>
 </file>
 
@@ -246,6 +251,7 @@
           <a:p>
             <a:fld id="{7B289A56-B7BF-4EE2-A684-7373F14AFF3B}" type="datetimeFigureOut">
               <a:rPr lang="en-IN" smtClean="0"/>
+              <a:t>04-05-2025</a:t>
             </a:fld>
             <a:endParaRPr lang="en-IN"/>
           </a:p>
@@ -287,6 +293,7 @@
           <a:p>
             <a:fld id="{3E05A8C5-EE7D-4E52-AF3E-16E9F1C18F47}" type="slidenum">
               <a:rPr lang="en-IN" smtClean="0"/>
+              <a:t>‹#›</a:t>
             </a:fld>
             <a:endParaRPr lang="en-IN"/>
           </a:p>
@@ -360,7 +367,6 @@
               <a:rPr lang="en-US"/>
               <a:t>Click to edit Master text styles</a:t>
             </a:r>
-            <a:endParaRPr lang="en-US"/>
           </a:p>
           <a:p>
             <a:pPr lvl="1"/>
@@ -368,7 +374,6 @@
               <a:rPr lang="en-US"/>
               <a:t>Second level</a:t>
             </a:r>
-            <a:endParaRPr lang="en-US"/>
           </a:p>
           <a:p>
             <a:pPr lvl="2"/>
@@ -376,7 +381,6 @@
               <a:rPr lang="en-US"/>
               <a:t>Third level</a:t>
             </a:r>
-            <a:endParaRPr lang="en-US"/>
           </a:p>
           <a:p>
             <a:pPr lvl="3"/>
@@ -384,7 +388,6 @@
               <a:rPr lang="en-US"/>
               <a:t>Fourth level</a:t>
             </a:r>
-            <a:endParaRPr lang="en-US"/>
           </a:p>
           <a:p>
             <a:pPr lvl="4"/>
@@ -413,6 +416,7 @@
           <a:p>
             <a:fld id="{7B289A56-B7BF-4EE2-A684-7373F14AFF3B}" type="datetimeFigureOut">
               <a:rPr lang="en-IN" smtClean="0"/>
+              <a:t>04-05-2025</a:t>
             </a:fld>
             <a:endParaRPr lang="en-IN"/>
           </a:p>
@@ -454,6 +458,7 @@
           <a:p>
             <a:fld id="{3E05A8C5-EE7D-4E52-AF3E-16E9F1C18F47}" type="slidenum">
               <a:rPr lang="en-IN" smtClean="0"/>
+              <a:t>‹#›</a:t>
             </a:fld>
             <a:endParaRPr lang="en-IN"/>
           </a:p>
@@ -537,7 +542,6 @@
               <a:rPr lang="en-US"/>
               <a:t>Click to edit Master text styles</a:t>
             </a:r>
-            <a:endParaRPr lang="en-US"/>
           </a:p>
           <a:p>
             <a:pPr lvl="1"/>
@@ -545,7 +549,6 @@
               <a:rPr lang="en-US"/>
               <a:t>Second level</a:t>
             </a:r>
-            <a:endParaRPr lang="en-US"/>
           </a:p>
           <a:p>
             <a:pPr lvl="2"/>
@@ -553,7 +556,6 @@
               <a:rPr lang="en-US"/>
               <a:t>Third level</a:t>
             </a:r>
-            <a:endParaRPr lang="en-US"/>
           </a:p>
           <a:p>
             <a:pPr lvl="3"/>
@@ -561,7 +563,6 @@
               <a:rPr lang="en-US"/>
               <a:t>Fourth level</a:t>
             </a:r>
-            <a:endParaRPr lang="en-US"/>
           </a:p>
           <a:p>
             <a:pPr lvl="4"/>
@@ -590,6 +591,7 @@
           <a:p>
             <a:fld id="{7B289A56-B7BF-4EE2-A684-7373F14AFF3B}" type="datetimeFigureOut">
               <a:rPr lang="en-IN" smtClean="0"/>
+              <a:t>04-05-2025</a:t>
             </a:fld>
             <a:endParaRPr lang="en-IN"/>
           </a:p>
@@ -631,6 +633,7 @@
           <a:p>
             <a:fld id="{3E05A8C5-EE7D-4E52-AF3E-16E9F1C18F47}" type="slidenum">
               <a:rPr lang="en-IN" smtClean="0"/>
+              <a:t>‹#›</a:t>
             </a:fld>
             <a:endParaRPr lang="en-IN"/>
           </a:p>
@@ -704,7 +707,6 @@
               <a:rPr lang="en-US"/>
               <a:t>Click to edit Master text styles</a:t>
             </a:r>
-            <a:endParaRPr lang="en-US"/>
           </a:p>
           <a:p>
             <a:pPr lvl="1"/>
@@ -712,7 +714,6 @@
               <a:rPr lang="en-US"/>
               <a:t>Second level</a:t>
             </a:r>
-            <a:endParaRPr lang="en-US"/>
           </a:p>
           <a:p>
             <a:pPr lvl="2"/>
@@ -720,7 +721,6 @@
               <a:rPr lang="en-US"/>
               <a:t>Third level</a:t>
             </a:r>
-            <a:endParaRPr lang="en-US"/>
           </a:p>
           <a:p>
             <a:pPr lvl="3"/>
@@ -728,7 +728,6 @@
               <a:rPr lang="en-US"/>
               <a:t>Fourth level</a:t>
             </a:r>
-            <a:endParaRPr lang="en-US"/>
           </a:p>
           <a:p>
             <a:pPr lvl="4"/>
@@ -757,6 +756,7 @@
           <a:p>
             <a:fld id="{7B289A56-B7BF-4EE2-A684-7373F14AFF3B}" type="datetimeFigureOut">
               <a:rPr lang="en-IN" smtClean="0"/>
+              <a:t>04-05-2025</a:t>
             </a:fld>
             <a:endParaRPr lang="en-IN"/>
           </a:p>
@@ -798,6 +798,7 @@
           <a:p>
             <a:fld id="{3E05A8C5-EE7D-4E52-AF3E-16E9F1C18F47}" type="slidenum">
               <a:rPr lang="en-IN" smtClean="0"/>
+              <a:t>‹#›</a:t>
             </a:fld>
             <a:endParaRPr lang="en-IN"/>
           </a:p>
@@ -976,7 +977,6 @@
               <a:rPr lang="en-US"/>
               <a:t>Click to edit Master text styles</a:t>
             </a:r>
-            <a:endParaRPr lang="en-US"/>
           </a:p>
         </p:txBody>
       </p:sp>
@@ -997,6 +997,7 @@
           <a:p>
             <a:fld id="{7B289A56-B7BF-4EE2-A684-7373F14AFF3B}" type="datetimeFigureOut">
               <a:rPr lang="en-IN" smtClean="0"/>
+              <a:t>04-05-2025</a:t>
             </a:fld>
             <a:endParaRPr lang="en-IN"/>
           </a:p>
@@ -1038,6 +1039,7 @@
           <a:p>
             <a:fld id="{3E05A8C5-EE7D-4E52-AF3E-16E9F1C18F47}" type="slidenum">
               <a:rPr lang="en-IN" smtClean="0"/>
+              <a:t>‹#›</a:t>
             </a:fld>
             <a:endParaRPr lang="en-IN"/>
           </a:p>
@@ -1116,7 +1118,6 @@
               <a:rPr lang="en-US"/>
               <a:t>Click to edit Master text styles</a:t>
             </a:r>
-            <a:endParaRPr lang="en-US"/>
           </a:p>
           <a:p>
             <a:pPr lvl="1"/>
@@ -1124,7 +1125,6 @@
               <a:rPr lang="en-US"/>
               <a:t>Second level</a:t>
             </a:r>
-            <a:endParaRPr lang="en-US"/>
           </a:p>
           <a:p>
             <a:pPr lvl="2"/>
@@ -1132,7 +1132,6 @@
               <a:rPr lang="en-US"/>
               <a:t>Third level</a:t>
             </a:r>
-            <a:endParaRPr lang="en-US"/>
           </a:p>
           <a:p>
             <a:pPr lvl="3"/>
@@ -1140,7 +1139,6 @@
               <a:rPr lang="en-US"/>
               <a:t>Fourth level</a:t>
             </a:r>
-            <a:endParaRPr lang="en-US"/>
           </a:p>
           <a:p>
             <a:pPr lvl="4"/>
@@ -1177,7 +1175,6 @@
               <a:rPr lang="en-US"/>
               <a:t>Click to edit Master text styles</a:t>
             </a:r>
-            <a:endParaRPr lang="en-US"/>
           </a:p>
           <a:p>
             <a:pPr lvl="1"/>
@@ -1185,7 +1182,6 @@
               <a:rPr lang="en-US"/>
               <a:t>Second level</a:t>
             </a:r>
-            <a:endParaRPr lang="en-US"/>
           </a:p>
           <a:p>
             <a:pPr lvl="2"/>
@@ -1193,7 +1189,6 @@
               <a:rPr lang="en-US"/>
               <a:t>Third level</a:t>
             </a:r>
-            <a:endParaRPr lang="en-US"/>
           </a:p>
           <a:p>
             <a:pPr lvl="3"/>
@@ -1201,7 +1196,6 @@
               <a:rPr lang="en-US"/>
               <a:t>Fourth level</a:t>
             </a:r>
-            <a:endParaRPr lang="en-US"/>
           </a:p>
           <a:p>
             <a:pPr lvl="4"/>
@@ -1230,6 +1224,7 @@
           <a:p>
             <a:fld id="{7B289A56-B7BF-4EE2-A684-7373F14AFF3B}" type="datetimeFigureOut">
               <a:rPr lang="en-IN" smtClean="0"/>
+              <a:t>04-05-2025</a:t>
             </a:fld>
             <a:endParaRPr lang="en-IN"/>
           </a:p>
@@ -1271,6 +1266,7 @@
           <a:p>
             <a:fld id="{3E05A8C5-EE7D-4E52-AF3E-16E9F1C18F47}" type="slidenum">
               <a:rPr lang="en-IN" smtClean="0"/>
+              <a:t>‹#›</a:t>
             </a:fld>
             <a:endParaRPr lang="en-IN"/>
           </a:p>
@@ -1391,7 +1387,6 @@
               <a:rPr lang="en-US"/>
               <a:t>Click to edit Master text styles</a:t>
             </a:r>
-            <a:endParaRPr lang="en-US"/>
           </a:p>
         </p:txBody>
       </p:sp>
@@ -1420,7 +1415,6 @@
               <a:rPr lang="en-US"/>
               <a:t>Click to edit Master text styles</a:t>
             </a:r>
-            <a:endParaRPr lang="en-US"/>
           </a:p>
           <a:p>
             <a:pPr lvl="1"/>
@@ -1428,7 +1422,6 @@
               <a:rPr lang="en-US"/>
               <a:t>Second level</a:t>
             </a:r>
-            <a:endParaRPr lang="en-US"/>
           </a:p>
           <a:p>
             <a:pPr lvl="2"/>
@@ -1436,7 +1429,6 @@
               <a:rPr lang="en-US"/>
               <a:t>Third level</a:t>
             </a:r>
-            <a:endParaRPr lang="en-US"/>
           </a:p>
           <a:p>
             <a:pPr lvl="3"/>
@@ -1444,7 +1436,6 @@
               <a:rPr lang="en-US"/>
               <a:t>Fourth level</a:t>
             </a:r>
-            <a:endParaRPr lang="en-US"/>
           </a:p>
           <a:p>
             <a:pPr lvl="4"/>
@@ -1518,7 +1509,6 @@
               <a:rPr lang="en-US"/>
               <a:t>Click to edit Master text styles</a:t>
             </a:r>
-            <a:endParaRPr lang="en-US"/>
           </a:p>
         </p:txBody>
       </p:sp>
@@ -1547,7 +1537,6 @@
               <a:rPr lang="en-US"/>
               <a:t>Click to edit Master text styles</a:t>
             </a:r>
-            <a:endParaRPr lang="en-US"/>
           </a:p>
           <a:p>
             <a:pPr lvl="1"/>
@@ -1555,7 +1544,6 @@
               <a:rPr lang="en-US"/>
               <a:t>Second level</a:t>
             </a:r>
-            <a:endParaRPr lang="en-US"/>
           </a:p>
           <a:p>
             <a:pPr lvl="2"/>
@@ -1563,7 +1551,6 @@
               <a:rPr lang="en-US"/>
               <a:t>Third level</a:t>
             </a:r>
-            <a:endParaRPr lang="en-US"/>
           </a:p>
           <a:p>
             <a:pPr lvl="3"/>
@@ -1571,7 +1558,6 @@
               <a:rPr lang="en-US"/>
               <a:t>Fourth level</a:t>
             </a:r>
-            <a:endParaRPr lang="en-US"/>
           </a:p>
           <a:p>
             <a:pPr lvl="4"/>
@@ -1600,6 +1586,7 @@
           <a:p>
             <a:fld id="{7B289A56-B7BF-4EE2-A684-7373F14AFF3B}" type="datetimeFigureOut">
               <a:rPr lang="en-IN" smtClean="0"/>
+              <a:t>04-05-2025</a:t>
             </a:fld>
             <a:endParaRPr lang="en-IN"/>
           </a:p>
@@ -1641,6 +1628,7 @@
           <a:p>
             <a:fld id="{3E05A8C5-EE7D-4E52-AF3E-16E9F1C18F47}" type="slidenum">
               <a:rPr lang="en-IN" smtClean="0"/>
+              <a:t>‹#›</a:t>
             </a:fld>
             <a:endParaRPr lang="en-IN"/>
           </a:p>
@@ -1711,6 +1699,7 @@
           <a:p>
             <a:fld id="{7B289A56-B7BF-4EE2-A684-7373F14AFF3B}" type="datetimeFigureOut">
               <a:rPr lang="en-IN" smtClean="0"/>
+              <a:t>04-05-2025</a:t>
             </a:fld>
             <a:endParaRPr lang="en-IN"/>
           </a:p>
@@ -1752,6 +1741,7 @@
           <a:p>
             <a:fld id="{3E05A8C5-EE7D-4E52-AF3E-16E9F1C18F47}" type="slidenum">
               <a:rPr lang="en-IN" smtClean="0"/>
+              <a:t>‹#›</a:t>
             </a:fld>
             <a:endParaRPr lang="en-IN"/>
           </a:p>
@@ -1799,6 +1789,7 @@
           <a:p>
             <a:fld id="{7B289A56-B7BF-4EE2-A684-7373F14AFF3B}" type="datetimeFigureOut">
               <a:rPr lang="en-IN" smtClean="0"/>
+              <a:t>04-05-2025</a:t>
             </a:fld>
             <a:endParaRPr lang="en-IN"/>
           </a:p>
@@ -1840,6 +1831,7 @@
           <a:p>
             <a:fld id="{3E05A8C5-EE7D-4E52-AF3E-16E9F1C18F47}" type="slidenum">
               <a:rPr lang="en-IN" smtClean="0"/>
+              <a:t>‹#›</a:t>
             </a:fld>
             <a:endParaRPr lang="en-IN"/>
           </a:p>
@@ -1955,7 +1947,6 @@
               <a:rPr lang="en-US"/>
               <a:t>Click to edit Master text styles</a:t>
             </a:r>
-            <a:endParaRPr lang="en-US"/>
           </a:p>
           <a:p>
             <a:pPr lvl="1"/>
@@ -1963,7 +1954,6 @@
               <a:rPr lang="en-US"/>
               <a:t>Second level</a:t>
             </a:r>
-            <a:endParaRPr lang="en-US"/>
           </a:p>
           <a:p>
             <a:pPr lvl="2"/>
@@ -1971,7 +1961,6 @@
               <a:rPr lang="en-US"/>
               <a:t>Third level</a:t>
             </a:r>
-            <a:endParaRPr lang="en-US"/>
           </a:p>
           <a:p>
             <a:pPr lvl="3"/>
@@ -1979,7 +1968,6 @@
               <a:rPr lang="en-US"/>
               <a:t>Fourth level</a:t>
             </a:r>
-            <a:endParaRPr lang="en-US"/>
           </a:p>
           <a:p>
             <a:pPr lvl="4"/>
@@ -2053,7 +2041,6 @@
               <a:rPr lang="en-US"/>
               <a:t>Click to edit Master text styles</a:t>
             </a:r>
-            <a:endParaRPr lang="en-US"/>
           </a:p>
         </p:txBody>
       </p:sp>
@@ -2074,6 +2061,7 @@
           <a:p>
             <a:fld id="{7B289A56-B7BF-4EE2-A684-7373F14AFF3B}" type="datetimeFigureOut">
               <a:rPr lang="en-IN" smtClean="0"/>
+              <a:t>04-05-2025</a:t>
             </a:fld>
             <a:endParaRPr lang="en-IN"/>
           </a:p>
@@ -2115,6 +2103,7 @@
           <a:p>
             <a:fld id="{3E05A8C5-EE7D-4E52-AF3E-16E9F1C18F47}" type="slidenum">
               <a:rPr lang="en-IN" smtClean="0"/>
+              <a:t>‹#›</a:t>
             </a:fld>
             <a:endParaRPr lang="en-IN"/>
           </a:p>
@@ -2300,7 +2289,6 @@
               <a:rPr lang="en-US"/>
               <a:t>Click to edit Master text styles</a:t>
             </a:r>
-            <a:endParaRPr lang="en-US"/>
           </a:p>
         </p:txBody>
       </p:sp>
@@ -2321,6 +2309,7 @@
           <a:p>
             <a:fld id="{7B289A56-B7BF-4EE2-A684-7373F14AFF3B}" type="datetimeFigureOut">
               <a:rPr lang="en-IN" smtClean="0"/>
+              <a:t>04-05-2025</a:t>
             </a:fld>
             <a:endParaRPr lang="en-IN"/>
           </a:p>
@@ -2362,6 +2351,7 @@
           <a:p>
             <a:fld id="{3E05A8C5-EE7D-4E52-AF3E-16E9F1C18F47}" type="slidenum">
               <a:rPr lang="en-IN" smtClean="0"/>
+              <a:t>‹#›</a:t>
             </a:fld>
             <a:endParaRPr lang="en-IN"/>
           </a:p>
@@ -2379,9 +2369,14 @@
 <p:sldMaster xmlns:a="http://schemas.openxmlformats.org/drawingml/2006/main" xmlns:r="http://schemas.openxmlformats.org/officeDocument/2006/relationships" xmlns:p="http://schemas.openxmlformats.org/presentationml/2006/main">
   <p:cSld>
     <p:bg>
-      <p:bgRef idx="1001">
-        <a:schemeClr val="bg1"/>
-      </p:bgRef>
+      <p:bgPr>
+        <a:solidFill>
+          <a:schemeClr val="tx2">
+            <a:lumMod val="75000"/>
+          </a:schemeClr>
+        </a:solidFill>
+        <a:effectLst/>
+      </p:bgPr>
     </p:bg>
     <p:spTree>
       <p:nvGrpSpPr>
@@ -2460,7 +2455,6 @@
               <a:rPr lang="en-US"/>
               <a:t>Click to edit Master text styles</a:t>
             </a:r>
-            <a:endParaRPr lang="en-US"/>
           </a:p>
           <a:p>
             <a:pPr lvl="1"/>
@@ -2468,7 +2462,6 @@
               <a:rPr lang="en-US"/>
               <a:t>Second level</a:t>
             </a:r>
-            <a:endParaRPr lang="en-US"/>
           </a:p>
           <a:p>
             <a:pPr lvl="2"/>
@@ -2476,7 +2469,6 @@
               <a:rPr lang="en-US"/>
               <a:t>Third level</a:t>
             </a:r>
-            <a:endParaRPr lang="en-US"/>
           </a:p>
           <a:p>
             <a:pPr lvl="3"/>
@@ -2484,7 +2476,6 @@
               <a:rPr lang="en-US"/>
               <a:t>Fourth level</a:t>
             </a:r>
-            <a:endParaRPr lang="en-US"/>
           </a:p>
           <a:p>
             <a:pPr lvl="4"/>
@@ -2531,6 +2522,7 @@
           <a:p>
             <a:fld id="{7B289A56-B7BF-4EE2-A684-7373F14AFF3B}" type="datetimeFigureOut">
               <a:rPr lang="en-IN" smtClean="0"/>
+              <a:t>04-05-2025</a:t>
             </a:fld>
             <a:endParaRPr lang="en-IN"/>
           </a:p>
@@ -2608,6 +2600,7 @@
           <a:p>
             <a:fld id="{3E05A8C5-EE7D-4E52-AF3E-16E9F1C18F47}" type="slidenum">
               <a:rPr lang="en-IN" smtClean="0"/>
+              <a:t>‹#›</a:t>
             </a:fld>
             <a:endParaRPr lang="en-IN"/>
           </a:p>
@@ -2915,15 +2908,6 @@
 <file path=ppt/slides/slide1.xml><?xml version="1.0" encoding="utf-8"?>
 <p:sld xmlns:a="http://schemas.openxmlformats.org/drawingml/2006/main" xmlns:r="http://schemas.openxmlformats.org/officeDocument/2006/relationships" xmlns:p="http://schemas.openxmlformats.org/presentationml/2006/main">
   <p:cSld>
-    <p:bg>
-      <p:bgPr>
-        <a:blipFill rotWithShape="1">
-          <a:blip r:embed="rId1"/>
-          <a:tile tx="0" ty="0" sx="100000" sy="100000" flip="none" algn="tl"/>
-        </a:blipFill>
-        <a:effectLst/>
-      </p:bgPr>
-    </p:bg>
     <p:spTree>
       <p:nvGrpSpPr>
         <p:cNvPr id="1" name=""/>
@@ -2946,7 +2930,7 @@
         </p:nvSpPr>
         <p:spPr>
           <a:xfrm>
-            <a:off x="436352" y="1232497"/>
+            <a:off x="4130905" y="5361150"/>
             <a:ext cx="3471414" cy="646331"/>
           </a:xfrm>
           <a:prstGeom prst="rect">
@@ -2973,11 +2957,6 @@
               </a:rPr>
               <a:t>CONNECTING TO</a:t>
             </a:r>
-            <a:endParaRPr lang="en-IN" sz="3600" b="1" dirty="0">
-              <a:solidFill>
-                <a:schemeClr val="accent4"/>
-              </a:solidFill>
-            </a:endParaRPr>
           </a:p>
         </p:txBody>
       </p:sp>
@@ -2989,7 +2968,7 @@
         </p:nvSpPr>
         <p:spPr>
           <a:xfrm>
-            <a:off x="3914583" y="1235891"/>
+            <a:off x="995888" y="5355317"/>
             <a:ext cx="3204184" cy="646331"/>
           </a:xfrm>
           <a:prstGeom prst="rect">
@@ -3017,13 +2996,6 @@
               </a:rPr>
               <a:t>MS SQL SERVER</a:t>
             </a:r>
-            <a:endParaRPr lang="en-IN" sz="3600" b="1" dirty="0">
-              <a:solidFill>
-                <a:schemeClr val="accent1">
-                  <a:lumMod val="75000"/>
-                </a:schemeClr>
-              </a:solidFill>
-            </a:endParaRPr>
           </a:p>
         </p:txBody>
       </p:sp>
@@ -3183,7 +3155,7 @@
           <p:nvPr/>
         </p:nvPicPr>
         <p:blipFill>
-          <a:blip r:embed="rId5">
+          <a:blip r:embed="rId5" cstate="print">
             <a:extLst>
               <a:ext uri="{28A0092B-C50C-407E-A947-70E740481C1C}">
                 <a14:useLocalDpi xmlns:a14="http://schemas.microsoft.com/office/drawing/2010/main" val="0"/>
@@ -3196,7 +3168,7 @@
         </p:blipFill>
         <p:spPr>
           <a:xfrm>
-            <a:off x="6954866" y="2568229"/>
+            <a:off x="6954866" y="2826846"/>
             <a:ext cx="4095498" cy="2303718"/>
           </a:xfrm>
           <a:prstGeom prst="rect">
@@ -3204,181 +3176,149 @@
           </a:prstGeom>
         </p:spPr>
       </p:pic>
-      <p:grpSp>
-        <p:nvGrpSpPr>
-          <p:cNvPr id="8" name="Group 7"/>
-          <p:cNvGrpSpPr/>
-          <p:nvPr/>
-        </p:nvGrpSpPr>
-        <p:grpSpPr>
-          <a:xfrm>
-            <a:off x="373261" y="119959"/>
-            <a:ext cx="5164897" cy="830997"/>
-            <a:chOff x="373261" y="119959"/>
-            <a:chExt cx="5164897" cy="830997"/>
-          </a:xfrm>
-        </p:grpSpPr>
-        <p:sp>
-          <p:nvSpPr>
-            <p:cNvPr id="9" name="TextBox 8"/>
-            <p:cNvSpPr txBox="1"/>
-            <p:nvPr/>
-          </p:nvSpPr>
-          <p:spPr>
-            <a:xfrm>
-              <a:off x="1508184" y="119959"/>
-              <a:ext cx="4029974" cy="830997"/>
-            </a:xfrm>
-            <a:prstGeom prst="rect">
-              <a:avLst/>
-            </a:prstGeom>
-            <a:noFill/>
-          </p:spPr>
-          <p:txBody>
-            <a:bodyPr wrap="square" rtlCol="0">
-              <a:spAutoFit/>
-            </a:bodyPr>
-            <a:lstStyle/>
-            <a:p>
-              <a:r>
-                <a:rPr lang="en-IN" sz="4800" dirty="0">
-                  <a:solidFill>
-                    <a:srgbClr val="FFFF00"/>
-                  </a:solidFill>
-                  <a:latin typeface="Lato Black" panose="020F0A02020204030203" pitchFamily="34" charset="0"/>
-                </a:rPr>
-                <a:t>POWER BI</a:t>
-              </a:r>
-              <a:endParaRPr lang="en-IN" sz="4800" dirty="0">
-                <a:solidFill>
-                  <a:srgbClr val="FFFF00"/>
-                </a:solidFill>
-                <a:latin typeface="Lato Black" panose="020F0A02020204030203" pitchFamily="34" charset="0"/>
-              </a:endParaRPr>
-            </a:p>
-          </p:txBody>
-        </p:sp>
-        <p:pic>
-          <p:nvPicPr>
-            <p:cNvPr id="10" name="Picture 9"/>
-            <p:cNvPicPr>
-              <a:picLocks noChangeAspect="1"/>
-            </p:cNvPicPr>
-            <p:nvPr/>
-          </p:nvPicPr>
-          <p:blipFill>
-            <a:blip r:embed="rId5">
-              <a:extLst>
-                <a:ext uri="{28A0092B-C50C-407E-A947-70E740481C1C}">
-                  <a14:useLocalDpi xmlns:a14="http://schemas.microsoft.com/office/drawing/2010/main" val="0"/>
-                </a:ext>
-              </a:extLst>
-            </a:blip>
-            <a:stretch>
-              <a:fillRect/>
-            </a:stretch>
-          </p:blipFill>
-          <p:spPr>
-            <a:xfrm>
-              <a:off x="373261" y="185235"/>
-              <a:ext cx="1245234" cy="700444"/>
-            </a:xfrm>
-            <a:prstGeom prst="rect">
-              <a:avLst/>
-            </a:prstGeom>
-          </p:spPr>
-        </p:pic>
-      </p:grpSp>
-      <p:sp>
-        <p:nvSpPr>
-          <p:cNvPr id="11" name="Rectangles 10"/>
-          <p:cNvSpPr/>
+      <p:sp>
+        <p:nvSpPr>
+          <p:cNvPr id="9" name="TextBox 8"/>
+          <p:cNvSpPr txBox="1"/>
           <p:nvPr/>
         </p:nvSpPr>
         <p:spPr>
           <a:xfrm>
-            <a:off x="2389505" y="5287010"/>
-            <a:ext cx="7412990" cy="1198880"/>
+            <a:off x="7672350" y="5244436"/>
+            <a:ext cx="3204184" cy="830997"/>
           </a:xfrm>
           <a:prstGeom prst="rect">
             <a:avLst/>
           </a:prstGeom>
           <a:noFill/>
+        </p:spPr>
+        <p:txBody>
+          <a:bodyPr wrap="square" rtlCol="0">
+            <a:spAutoFit/>
+          </a:bodyPr>
+          <a:lstStyle/>
+          <a:p>
+            <a:r>
+              <a:rPr lang="en-IN" sz="4800" dirty="0">
+                <a:solidFill>
+                  <a:srgbClr val="FFFF00"/>
+                </a:solidFill>
+                <a:latin typeface="Lato Black" panose="020F0A02020204030203" pitchFamily="34" charset="0"/>
+              </a:rPr>
+              <a:t>POWER BI</a:t>
+            </a:r>
+          </a:p>
+        </p:txBody>
+      </p:sp>
+      <p:pic>
+        <p:nvPicPr>
+          <p:cNvPr id="12" name="Picture 11" descr="bank"/>
+          <p:cNvPicPr>
+            <a:picLocks noChangeAspect="1"/>
+          </p:cNvPicPr>
+          <p:nvPr/>
+        </p:nvPicPr>
+        <p:blipFill>
+          <a:blip r:embed="rId6"/>
+          <a:stretch>
+            <a:fillRect/>
+          </a:stretch>
+        </p:blipFill>
+        <p:spPr>
+          <a:xfrm>
+            <a:off x="9448800" y="258445"/>
+            <a:ext cx="2371725" cy="2371725"/>
+          </a:xfrm>
+          <a:prstGeom prst="rect">
+            <a:avLst/>
+          </a:prstGeom>
+        </p:spPr>
+      </p:pic>
+      <p:sp>
+        <p:nvSpPr>
+          <p:cNvPr id="13" name="Rectangle 12">
+            <a:extLst>
+              <a:ext uri="{FF2B5EF4-FFF2-40B4-BE49-F238E27FC236}">
+                <a16:creationId xmlns:a16="http://schemas.microsoft.com/office/drawing/2014/main" id="{48268F75-88B6-41FD-A10A-59A48679DEF6}"/>
+              </a:ext>
+            </a:extLst>
+          </p:cNvPr>
+          <p:cNvSpPr/>
+          <p:nvPr/>
+        </p:nvSpPr>
+        <p:spPr>
+          <a:xfrm>
+            <a:off x="686150" y="575109"/>
+            <a:ext cx="8559448" cy="769441"/>
+          </a:xfrm>
+          <a:prstGeom prst="rect">
+            <a:avLst/>
+          </a:prstGeom>
+          <a:blipFill dpi="0" rotWithShape="1">
+            <a:blip r:embed="rId7">
+              <a:alphaModFix amt="49000"/>
+            </a:blip>
+            <a:srcRect/>
+            <a:tile tx="0" ty="0" sx="100000" sy="100000" flip="none" algn="tl"/>
+          </a:blipFill>
           <a:ln>
-            <a:noFill/>
+            <a:solidFill>
+              <a:srgbClr val="002060"/>
+            </a:solidFill>
           </a:ln>
+          <a:effectLst>
+            <a:outerShdw blurRad="76200" dir="18900000" sy="23000" kx="-1200000" algn="bl" rotWithShape="0">
+              <a:prstClr val="black">
+                <a:alpha val="20000"/>
+              </a:prstClr>
+            </a:outerShdw>
+          </a:effectLst>
+          <a:scene3d>
+            <a:camera prst="orthographicFront">
+              <a:rot lat="0" lon="0" rev="0"/>
+            </a:camera>
+            <a:lightRig rig="balanced" dir="t">
+              <a:rot lat="0" lon="0" rev="8700000"/>
+            </a:lightRig>
+          </a:scene3d>
+          <a:sp3d>
+            <a:bevelT w="190500" h="38100"/>
+          </a:sp3d>
         </p:spPr>
         <p:txBody>
-          <a:bodyPr wrap="none" rtlCol="0" anchor="t">
+          <a:bodyPr wrap="square" lIns="91440" tIns="45720" rIns="91440" bIns="45720">
             <a:spAutoFit/>
             <a:scene3d>
               <a:camera prst="orthographicFront"/>
-              <a:lightRig rig="threePt" dir="t"/>
+              <a:lightRig rig="soft" dir="t">
+                <a:rot lat="0" lon="0" rev="15600000"/>
+              </a:lightRig>
             </a:scene3d>
-            <a:sp3d prstMaterial="softEdge"/>
+            <a:sp3d extrusionH="57150" prstMaterial="softEdge">
+              <a:bevelT w="25400" h="38100"/>
+            </a:sp3d>
           </a:bodyPr>
+          <a:lstStyle/>
           <a:p>
             <a:pPr algn="ctr"/>
             <a:r>
-              <a:rPr lang="en-US" altLang="zh-CN" sz="7200" b="1">
-                <a:ln w="12700" cmpd="sng">
-                  <a:solidFill>
-                    <a:schemeClr val="accent4"/>
-                  </a:solidFill>
-                  <a:prstDash val="solid"/>
-                </a:ln>
-                <a:gradFill>
-                  <a:gsLst>
-                    <a:gs pos="0">
-                      <a:schemeClr val="accent4"/>
-                    </a:gs>
-                    <a:gs pos="4000">
-                      <a:schemeClr val="accent4">
-                        <a:lumMod val="60000"/>
-                        <a:lumOff val="40000"/>
-                      </a:schemeClr>
-                    </a:gs>
-                    <a:gs pos="87000">
-                      <a:schemeClr val="accent4">
-                        <a:lumMod val="20000"/>
-                        <a:lumOff val="80000"/>
-                      </a:schemeClr>
-                    </a:gs>
-                  </a:gsLst>
-                  <a:lin ang="5400000"/>
-                </a:gradFill>
+              <a:rPr lang="en-US" altLang="zh-CN" sz="4400" b="1" cap="none" spc="0" dirty="0">
+                <a:ln/>
+                <a:solidFill>
+                  <a:schemeClr val="bg1"/>
+                </a:solidFill>
                 <a:effectLst/>
-              </a:rPr>
-              <a:t>Bank Loan Analysis</a:t>
-            </a:r>
-            <a:endParaRPr lang="en-US" altLang="zh-CN" sz="7200" b="1">
-              <a:ln w="12700" cmpd="sng">
-                <a:solidFill>
-                  <a:schemeClr val="accent4"/>
-                </a:solidFill>
-                <a:prstDash val="solid"/>
-              </a:ln>
-              <a:gradFill>
-                <a:gsLst>
-                  <a:gs pos="0">
-                    <a:schemeClr val="accent4"/>
-                  </a:gs>
-                  <a:gs pos="4000">
-                    <a:schemeClr val="accent4">
-                      <a:lumMod val="60000"/>
-                      <a:lumOff val="40000"/>
-                    </a:schemeClr>
-                  </a:gs>
-                  <a:gs pos="87000">
-                    <a:schemeClr val="accent4">
-                      <a:lumMod val="20000"/>
-                      <a:lumOff val="80000"/>
-                    </a:schemeClr>
-                  </a:gs>
-                </a:gsLst>
-                <a:lin ang="5400000"/>
-              </a:gradFill>
+                <a:latin typeface="Arial Black" panose="020B0A04020102020204" pitchFamily="34" charset="0"/>
+              </a:rPr>
+              <a:t>BANK LOAN ANALYSIS</a:t>
+            </a:r>
+            <a:endParaRPr lang="en-IN" sz="4400" b="1" cap="none" spc="0" dirty="0">
+              <a:ln/>
+              <a:solidFill>
+                <a:schemeClr val="bg1"/>
+              </a:solidFill>
               <a:effectLst/>
+              <a:latin typeface="Arial Black" panose="020B0A04020102020204" pitchFamily="34" charset="0"/>
             </a:endParaRPr>
           </a:p>
         </p:txBody>
@@ -3397,16 +3337,6 @@
 <file path=ppt/slides/slide2.xml><?xml version="1.0" encoding="utf-8"?>
 <p:sld xmlns:a="http://schemas.openxmlformats.org/drawingml/2006/main" xmlns:r="http://schemas.openxmlformats.org/officeDocument/2006/relationships" xmlns:p="http://schemas.openxmlformats.org/presentationml/2006/main">
   <p:cSld>
-    <p:bg>
-      <p:bgPr>
-        <a:solidFill>
-          <a:schemeClr val="accent1">
-            <a:lumMod val="50000"/>
-          </a:schemeClr>
-        </a:solidFill>
-        <a:effectLst/>
-      </p:bgPr>
-    </p:bg>
     <p:spTree>
       <p:nvGrpSpPr>
         <p:cNvPr id="1" name=""/>
@@ -3464,12 +3394,6 @@
               </a:rPr>
               <a:t>PROBLEM STATEMENT</a:t>
             </a:r>
-            <a:endParaRPr lang="en-IN" sz="3200" b="1" dirty="0">
-              <a:solidFill>
-                <a:schemeClr val="bg1"/>
-              </a:solidFill>
-              <a:latin typeface="Lato Black" panose="020F0A02020204030203" pitchFamily="34" charset="0"/>
-            </a:endParaRPr>
           </a:p>
         </p:txBody>
       </p:sp>
@@ -3628,18 +3552,6 @@
               </a:rPr>
               <a:t>We need to calculate the total number of loan applications received during a specified period. Additionally, it is essential to monitor the Month-to-Date (MTD) Loan Applications and track changes Month-over-Month (MoM).</a:t>
             </a:r>
-            <a:endParaRPr lang="en-IN" sz="1800" kern="100" dirty="0">
-              <a:solidFill>
-                <a:schemeClr val="accent1">
-                  <a:lumMod val="20000"/>
-                  <a:lumOff val="80000"/>
-                </a:schemeClr>
-              </a:solidFill>
-              <a:effectLst/>
-              <a:latin typeface="Calibri" panose="020F0502020204030204" pitchFamily="34" charset="0"/>
-              <a:ea typeface="Calibri" panose="020F0502020204030204" pitchFamily="34" charset="0"/>
-              <a:cs typeface="Times New Roman" panose="02020603050405020304" pitchFamily="18" charset="0"/>
-            </a:endParaRPr>
           </a:p>
           <a:p>
             <a:pPr marL="342900" lvl="0" indent="-342900" algn="just">
@@ -3675,18 +3587,6 @@
               </a:rPr>
               <a:t>Understanding the total amount of funds disbursed as loans is crucial. We also want to keep an eye on the MTD Total Funded Amount and analyse the Month-over-Month (MoM) changes in this metric.</a:t>
             </a:r>
-            <a:endParaRPr lang="en-IN" sz="1800" kern="100" dirty="0">
-              <a:solidFill>
-                <a:schemeClr val="accent1">
-                  <a:lumMod val="20000"/>
-                  <a:lumOff val="80000"/>
-                </a:schemeClr>
-              </a:solidFill>
-              <a:effectLst/>
-              <a:latin typeface="Calibri" panose="020F0502020204030204" pitchFamily="34" charset="0"/>
-              <a:ea typeface="Calibri" panose="020F0502020204030204" pitchFamily="34" charset="0"/>
-              <a:cs typeface="Times New Roman" panose="02020603050405020304" pitchFamily="18" charset="0"/>
-            </a:endParaRPr>
           </a:p>
           <a:p>
             <a:pPr marL="342900" lvl="0" indent="-342900" algn="just">
@@ -3722,18 +3622,6 @@
               </a:rPr>
               <a:t>Tracking the total amount received from borrowers is essential for assessing the bank's cash flow and loan repayment. We should analyse the Month-to-Date (MTD) Total Amount Received and observe the Month-over-Month (MoM) changes.</a:t>
             </a:r>
-            <a:endParaRPr lang="en-IN" sz="1800" kern="100" dirty="0">
-              <a:solidFill>
-                <a:schemeClr val="accent1">
-                  <a:lumMod val="20000"/>
-                  <a:lumOff val="80000"/>
-                </a:schemeClr>
-              </a:solidFill>
-              <a:effectLst/>
-              <a:latin typeface="Calibri" panose="020F0502020204030204" pitchFamily="34" charset="0"/>
-              <a:ea typeface="Calibri" panose="020F0502020204030204" pitchFamily="34" charset="0"/>
-              <a:cs typeface="Times New Roman" panose="02020603050405020304" pitchFamily="18" charset="0"/>
-            </a:endParaRPr>
           </a:p>
           <a:p>
             <a:pPr marL="342900" lvl="0" indent="-342900" algn="just">
@@ -3769,18 +3657,6 @@
               </a:rPr>
               <a:t>Calculating the average interest rate across all loans, MTD, and monitoring the Month-over-Month (MoM) variations in interest rates will provide insights into our lending portfolio's overall cost.</a:t>
             </a:r>
-            <a:endParaRPr lang="en-IN" sz="1800" kern="100" dirty="0">
-              <a:solidFill>
-                <a:schemeClr val="accent1">
-                  <a:lumMod val="20000"/>
-                  <a:lumOff val="80000"/>
-                </a:schemeClr>
-              </a:solidFill>
-              <a:effectLst/>
-              <a:latin typeface="Calibri" panose="020F0502020204030204" pitchFamily="34" charset="0"/>
-              <a:ea typeface="Calibri" panose="020F0502020204030204" pitchFamily="34" charset="0"/>
-              <a:cs typeface="Times New Roman" panose="02020603050405020304" pitchFamily="18" charset="0"/>
-            </a:endParaRPr>
           </a:p>
           <a:p>
             <a:pPr marL="342900" lvl="0" indent="-342900" algn="just">
@@ -3819,18 +3695,6 @@
               </a:rPr>
               <a:t>Evaluating the average DTI for our borrowers helps us gauge their financial health. We need to compute the average DTI for all loans, MTD, and track Month-over-Month (MoM) fluctuations.</a:t>
             </a:r>
-            <a:endParaRPr lang="en-IN" sz="1800" kern="100" dirty="0">
-              <a:solidFill>
-                <a:schemeClr val="accent1">
-                  <a:lumMod val="20000"/>
-                  <a:lumOff val="80000"/>
-                </a:schemeClr>
-              </a:solidFill>
-              <a:effectLst/>
-              <a:latin typeface="Calibri" panose="020F0502020204030204" pitchFamily="34" charset="0"/>
-              <a:ea typeface="Calibri" panose="020F0502020204030204" pitchFamily="34" charset="0"/>
-              <a:cs typeface="Times New Roman" panose="02020603050405020304" pitchFamily="18" charset="0"/>
-            </a:endParaRPr>
           </a:p>
         </p:txBody>
       </p:sp>
@@ -3848,16 +3712,6 @@
 <file path=ppt/slides/slide3.xml><?xml version="1.0" encoding="utf-8"?>
 <p:sld xmlns:a="http://schemas.openxmlformats.org/drawingml/2006/main" xmlns:r="http://schemas.openxmlformats.org/officeDocument/2006/relationships" xmlns:p="http://schemas.openxmlformats.org/presentationml/2006/main">
   <p:cSld>
-    <p:bg>
-      <p:bgPr>
-        <a:solidFill>
-          <a:schemeClr val="accent1">
-            <a:lumMod val="50000"/>
-          </a:schemeClr>
-        </a:solidFill>
-        <a:effectLst/>
-      </p:bgPr>
-    </p:bg>
     <p:spTree>
       <p:nvGrpSpPr>
         <p:cNvPr id="1" name=""/>
@@ -3915,12 +3769,6 @@
               </a:rPr>
               <a:t>PROBLEM STATEMENT</a:t>
             </a:r>
-            <a:endParaRPr lang="en-IN" sz="3200" b="1" dirty="0">
-              <a:solidFill>
-                <a:schemeClr val="bg1"/>
-              </a:solidFill>
-              <a:latin typeface="Lato Black" panose="020F0A02020204030203" pitchFamily="34" charset="0"/>
-            </a:endParaRPr>
           </a:p>
         </p:txBody>
       </p:sp>
@@ -4018,17 +3866,6 @@
               </a:rPr>
               <a:t>Good Loan v Bad Loan KPI’s</a:t>
             </a:r>
-            <a:endParaRPr lang="en-IN" sz="2400" b="1" kern="100" dirty="0">
-              <a:solidFill>
-                <a:schemeClr val="accent2">
-                  <a:lumMod val="60000"/>
-                  <a:lumOff val="40000"/>
-                </a:schemeClr>
-              </a:solidFill>
-              <a:latin typeface="Calibri" panose="020F0502020204030204" pitchFamily="34" charset="0"/>
-              <a:ea typeface="Calibri" panose="020F0502020204030204" pitchFamily="34" charset="0"/>
-              <a:cs typeface="Times New Roman" panose="02020603050405020304" pitchFamily="18" charset="0"/>
-            </a:endParaRPr>
           </a:p>
           <a:p>
             <a:endParaRPr lang="en-IN" sz="1200" b="1" kern="100" dirty="0">
@@ -4055,14 +3892,6 @@
               </a:rPr>
               <a:t>Good Loan:</a:t>
             </a:r>
-            <a:endParaRPr lang="en-IN" sz="2000" b="1" kern="100" dirty="0">
-              <a:solidFill>
-                <a:srgbClr val="00B0F0"/>
-              </a:solidFill>
-              <a:latin typeface="Calibri" panose="020F0502020204030204" pitchFamily="34" charset="0"/>
-              <a:ea typeface="Calibri" panose="020F0502020204030204" pitchFamily="34" charset="0"/>
-              <a:cs typeface="Times New Roman" panose="02020603050405020304" pitchFamily="18" charset="0"/>
-            </a:endParaRPr>
           </a:p>
           <a:p>
             <a:pPr marL="342900" indent="-342900">
@@ -4215,14 +4044,6 @@
               </a:rPr>
               <a:t>Bad Loan</a:t>
             </a:r>
-            <a:endParaRPr lang="en-IN" sz="2000" b="1" kern="100" dirty="0">
-              <a:solidFill>
-                <a:srgbClr val="00B0F0"/>
-              </a:solidFill>
-              <a:latin typeface="Calibri" panose="020F0502020204030204" pitchFamily="34" charset="0"/>
-              <a:ea typeface="Calibri" panose="020F0502020204030204" pitchFamily="34" charset="0"/>
-              <a:cs typeface="Times New Roman" panose="02020603050405020304" pitchFamily="18" charset="0"/>
-            </a:endParaRPr>
           </a:p>
           <a:p>
             <a:pPr marL="342900" indent="-342900">
@@ -4383,17 +4204,6 @@
               </a:rPr>
               <a:t>Loan Status Grid View</a:t>
             </a:r>
-            <a:endParaRPr lang="en-IN" sz="2400" b="1" kern="100" dirty="0">
-              <a:solidFill>
-                <a:schemeClr val="accent2">
-                  <a:lumMod val="60000"/>
-                  <a:lumOff val="40000"/>
-                </a:schemeClr>
-              </a:solidFill>
-              <a:latin typeface="Calibri" panose="020F0502020204030204" pitchFamily="34" charset="0"/>
-              <a:ea typeface="Calibri" panose="020F0502020204030204" pitchFamily="34" charset="0"/>
-              <a:cs typeface="Times New Roman" panose="02020603050405020304" pitchFamily="18" charset="0"/>
-            </a:endParaRPr>
           </a:p>
           <a:p>
             <a:pPr algn="just">
@@ -4438,16 +4248,6 @@
 <file path=ppt/slides/slide4.xml><?xml version="1.0" encoding="utf-8"?>
 <p:sld xmlns:a="http://schemas.openxmlformats.org/drawingml/2006/main" xmlns:r="http://schemas.openxmlformats.org/officeDocument/2006/relationships" xmlns:p="http://schemas.openxmlformats.org/presentationml/2006/main">
   <p:cSld>
-    <p:bg>
-      <p:bgPr>
-        <a:solidFill>
-          <a:schemeClr val="accent1">
-            <a:lumMod val="50000"/>
-          </a:schemeClr>
-        </a:solidFill>
-        <a:effectLst/>
-      </p:bgPr>
-    </p:bg>
     <p:spTree>
       <p:nvGrpSpPr>
         <p:cNvPr id="1" name=""/>
@@ -4523,7 +4323,7 @@
           <p:nvPr/>
         </p:nvPicPr>
         <p:blipFill>
-          <a:blip r:embed="rId1"/>
+          <a:blip r:embed="rId2"/>
           <a:stretch>
             <a:fillRect/>
           </a:stretch>
@@ -4552,16 +4352,6 @@
 <file path=ppt/slides/slide5.xml><?xml version="1.0" encoding="utf-8"?>
 <p:sld xmlns:a="http://schemas.openxmlformats.org/drawingml/2006/main" xmlns:r="http://schemas.openxmlformats.org/officeDocument/2006/relationships" xmlns:p="http://schemas.openxmlformats.org/presentationml/2006/main">
   <p:cSld>
-    <p:bg>
-      <p:bgPr>
-        <a:solidFill>
-          <a:schemeClr val="accent1">
-            <a:lumMod val="50000"/>
-          </a:schemeClr>
-        </a:solidFill>
-        <a:effectLst/>
-      </p:bgPr>
-    </p:bg>
     <p:spTree>
       <p:nvGrpSpPr>
         <p:cNvPr id="1" name=""/>
@@ -4619,12 +4409,6 @@
               </a:rPr>
               <a:t>PROBLEM STATEMENT</a:t>
             </a:r>
-            <a:endParaRPr lang="en-IN" sz="3200" b="1" dirty="0">
-              <a:solidFill>
-                <a:schemeClr val="bg1"/>
-              </a:solidFill>
-              <a:latin typeface="Lato Black" panose="020F0A02020204030203" pitchFamily="34" charset="0"/>
-            </a:endParaRPr>
           </a:p>
         </p:txBody>
       </p:sp>
@@ -4723,18 +4507,6 @@
               </a:rPr>
               <a:t>CHARTS</a:t>
             </a:r>
-            <a:endParaRPr lang="en-IN" sz="2800" b="1" kern="100" dirty="0">
-              <a:solidFill>
-                <a:schemeClr val="accent2">
-                  <a:lumMod val="60000"/>
-                  <a:lumOff val="40000"/>
-                </a:schemeClr>
-              </a:solidFill>
-              <a:effectLst/>
-              <a:latin typeface="Calibri" panose="020F0502020204030204" pitchFamily="34" charset="0"/>
-              <a:ea typeface="Calibri" panose="020F0502020204030204" pitchFamily="34" charset="0"/>
-              <a:cs typeface="Times New Roman" panose="02020603050405020304" pitchFamily="18" charset="0"/>
-            </a:endParaRPr>
           </a:p>
           <a:p>
             <a:pPr marL="342900" indent="-342900">
@@ -4841,14 +4613,6 @@
               </a:rPr>
               <a:t> To identify regions with significant lending activity and assess regional disparities</a:t>
             </a:r>
-            <a:endParaRPr lang="en-IN" dirty="0">
-              <a:solidFill>
-                <a:schemeClr val="bg1"/>
-              </a:solidFill>
-              <a:latin typeface="Calibri" panose="020F0502020204030204" pitchFamily="34" charset="0"/>
-              <a:ea typeface="Calibri" panose="020F0502020204030204" pitchFamily="34" charset="0"/>
-              <a:cs typeface="Times New Roman" panose="02020603050405020304" pitchFamily="18" charset="0"/>
-            </a:endParaRPr>
           </a:p>
           <a:p>
             <a:pPr marL="342900" indent="-342900">
@@ -4884,14 +4648,6 @@
               </a:rPr>
               <a:t>To allow the client to understand the distribution of loans across various term lengths.</a:t>
             </a:r>
-            <a:endParaRPr lang="en-IN" dirty="0">
-              <a:solidFill>
-                <a:schemeClr val="bg1"/>
-              </a:solidFill>
-              <a:latin typeface="Calibri" panose="020F0502020204030204" pitchFamily="34" charset="0"/>
-              <a:ea typeface="Calibri" panose="020F0502020204030204" pitchFamily="34" charset="0"/>
-              <a:cs typeface="Times New Roman" panose="02020603050405020304" pitchFamily="18" charset="0"/>
-            </a:endParaRPr>
           </a:p>
           <a:p>
             <a:pPr marL="342900" indent="-342900">
@@ -4927,14 +4683,6 @@
               </a:rPr>
               <a:t>How lending metrics are distributed among borrowers with different employment lengths, helping us assess the impact of employment history on loan applications.</a:t>
             </a:r>
-            <a:endParaRPr lang="en-IN" dirty="0">
-              <a:solidFill>
-                <a:schemeClr val="bg1"/>
-              </a:solidFill>
-              <a:latin typeface="Calibri" panose="020F0502020204030204" pitchFamily="34" charset="0"/>
-              <a:ea typeface="Calibri" panose="020F0502020204030204" pitchFamily="34" charset="0"/>
-              <a:cs typeface="Times New Roman" panose="02020603050405020304" pitchFamily="18" charset="0"/>
-            </a:endParaRPr>
           </a:p>
           <a:p>
             <a:pPr marL="342900" indent="-342900">
@@ -4982,14 +4730,6 @@
               </a:rPr>
               <a:t>ill provide a visual breakdown of loan metrics based on the stated purposes of loans, aiding in the understanding of the primary reasons borrowers seek financing.</a:t>
             </a:r>
-            <a:endParaRPr lang="en-IN" dirty="0">
-              <a:solidFill>
-                <a:schemeClr val="bg1"/>
-              </a:solidFill>
-              <a:latin typeface="Calibri" panose="020F0502020204030204" pitchFamily="34" charset="0"/>
-              <a:ea typeface="Calibri" panose="020F0502020204030204" pitchFamily="34" charset="0"/>
-              <a:cs typeface="Times New Roman" panose="02020603050405020304" pitchFamily="18" charset="0"/>
-            </a:endParaRPr>
           </a:p>
           <a:p>
             <a:pPr marL="342900" indent="-342900">
@@ -5050,15 +4790,6 @@
               </a:rPr>
               <a:t>Metrics to be shown: 'Total Loan Applications,' 'Total Funded Amount,' and 'Total Amount Received'</a:t>
             </a:r>
-            <a:endParaRPr lang="en-IN" b="1" i="1" u="sng" kern="100" dirty="0">
-              <a:solidFill>
-                <a:srgbClr val="FFFF00"/>
-              </a:solidFill>
-              <a:effectLst/>
-              <a:latin typeface="Calibri" panose="020F0502020204030204" pitchFamily="34" charset="0"/>
-              <a:ea typeface="Calibri" panose="020F0502020204030204" pitchFamily="34" charset="0"/>
-              <a:cs typeface="Times New Roman" panose="02020603050405020304" pitchFamily="18" charset="0"/>
-            </a:endParaRPr>
           </a:p>
         </p:txBody>
       </p:sp>
@@ -5076,16 +4807,6 @@
 <file path=ppt/slides/slide6.xml><?xml version="1.0" encoding="utf-8"?>
 <p:sld xmlns:a="http://schemas.openxmlformats.org/drawingml/2006/main" xmlns:r="http://schemas.openxmlformats.org/officeDocument/2006/relationships" xmlns:p="http://schemas.openxmlformats.org/presentationml/2006/main">
   <p:cSld>
-    <p:bg>
-      <p:bgPr>
-        <a:solidFill>
-          <a:schemeClr val="accent1">
-            <a:lumMod val="50000"/>
-          </a:schemeClr>
-        </a:solidFill>
-        <a:effectLst/>
-      </p:bgPr>
-    </p:bg>
     <p:spTree>
       <p:nvGrpSpPr>
         <p:cNvPr id="1" name=""/>
@@ -5161,7 +4882,7 @@
           <p:nvPr/>
         </p:nvPicPr>
         <p:blipFill>
-          <a:blip r:embed="rId1"/>
+          <a:blip r:embed="rId2"/>
           <a:stretch>
             <a:fillRect/>
           </a:stretch>
@@ -5190,16 +4911,6 @@
 <file path=ppt/slides/slide7.xml><?xml version="1.0" encoding="utf-8"?>
 <p:sld xmlns:a="http://schemas.openxmlformats.org/drawingml/2006/main" xmlns:r="http://schemas.openxmlformats.org/officeDocument/2006/relationships" xmlns:p="http://schemas.openxmlformats.org/presentationml/2006/main">
   <p:cSld>
-    <p:bg>
-      <p:bgPr>
-        <a:solidFill>
-          <a:schemeClr val="accent1">
-            <a:lumMod val="50000"/>
-          </a:schemeClr>
-        </a:solidFill>
-        <a:effectLst/>
-      </p:bgPr>
-    </p:bg>
     <p:spTree>
       <p:nvGrpSpPr>
         <p:cNvPr id="1" name=""/>
@@ -5257,12 +4968,6 @@
               </a:rPr>
               <a:t>PROBLEM STATEMENT</a:t>
             </a:r>
-            <a:endParaRPr lang="en-IN" sz="3200" b="1" dirty="0">
-              <a:solidFill>
-                <a:schemeClr val="bg1"/>
-              </a:solidFill>
-              <a:latin typeface="Lato Black" panose="020F0A02020204030203" pitchFamily="34" charset="0"/>
-            </a:endParaRPr>
           </a:p>
         </p:txBody>
       </p:sp>
@@ -5361,18 +5066,6 @@
               </a:rPr>
               <a:t>GRID</a:t>
             </a:r>
-            <a:endParaRPr lang="en-IN" sz="2800" b="1" kern="100" dirty="0">
-              <a:solidFill>
-                <a:schemeClr val="accent2">
-                  <a:lumMod val="60000"/>
-                  <a:lumOff val="40000"/>
-                </a:schemeClr>
-              </a:solidFill>
-              <a:effectLst/>
-              <a:latin typeface="Calibri" panose="020F0502020204030204" pitchFamily="34" charset="0"/>
-              <a:ea typeface="Calibri" panose="020F0502020204030204" pitchFamily="34" charset="0"/>
-              <a:cs typeface="Times New Roman" panose="02020603050405020304" pitchFamily="18" charset="0"/>
-            </a:endParaRPr>
           </a:p>
           <a:p>
             <a:pPr algn="just">
@@ -5395,15 +5088,6 @@
               </a:rPr>
               <a:t>Need for a comprehensive 'Details Dashboard' that provides a consolidated view of all the essential information within our loan data. This Details Dashboard aims to offer a holistic snapshot of key loan-related metrics and data points, enabling users to access critical information efficiently.</a:t>
             </a:r>
-            <a:endParaRPr lang="en-IN" sz="2000" kern="100" dirty="0">
-              <a:solidFill>
-                <a:schemeClr val="bg1"/>
-              </a:solidFill>
-              <a:effectLst/>
-              <a:latin typeface="Calibri" panose="020F0502020204030204" pitchFamily="34" charset="0"/>
-              <a:ea typeface="Calibri" panose="020F0502020204030204" pitchFamily="34" charset="0"/>
-              <a:cs typeface="Times New Roman" panose="02020603050405020304" pitchFamily="18" charset="0"/>
-            </a:endParaRPr>
           </a:p>
           <a:p>
             <a:pPr algn="just">
@@ -5509,16 +5193,6 @@
 <file path=ppt/slides/slide8.xml><?xml version="1.0" encoding="utf-8"?>
 <p:sld xmlns:a="http://schemas.openxmlformats.org/drawingml/2006/main" xmlns:r="http://schemas.openxmlformats.org/officeDocument/2006/relationships" xmlns:p="http://schemas.openxmlformats.org/presentationml/2006/main">
   <p:cSld>
-    <p:bg>
-      <p:bgPr>
-        <a:solidFill>
-          <a:schemeClr val="accent1">
-            <a:lumMod val="50000"/>
-          </a:schemeClr>
-        </a:solidFill>
-        <a:effectLst/>
-      </p:bgPr>
-    </p:bg>
     <p:spTree>
       <p:nvGrpSpPr>
         <p:cNvPr id="1" name=""/>
@@ -5594,7 +5268,7 @@
           <p:nvPr/>
         </p:nvPicPr>
         <p:blipFill>
-          <a:blip r:embed="rId1"/>
+          <a:blip r:embed="rId2"/>
           <a:stretch>
             <a:fillRect/>
           </a:stretch>
@@ -5623,16 +5297,6 @@
 <file path=ppt/slides/slide9.xml><?xml version="1.0" encoding="utf-8"?>
 <p:sld xmlns:a="http://schemas.openxmlformats.org/drawingml/2006/main" xmlns:r="http://schemas.openxmlformats.org/officeDocument/2006/relationships" xmlns:p="http://schemas.openxmlformats.org/presentationml/2006/main">
   <p:cSld>
-    <p:bg>
-      <p:bgPr>
-        <a:solidFill>
-          <a:schemeClr val="accent1">
-            <a:lumMod val="50000"/>
-          </a:schemeClr>
-        </a:solidFill>
-        <a:effectLst/>
-      </p:bgPr>
-    </p:bg>
     <p:spTree>
       <p:nvGrpSpPr>
         <p:cNvPr id="1" name=""/>
@@ -5689,7 +5353,6 @@
               <a:rPr lang="en-US" altLang="en-IN" sz="3200" dirty="0"/>
               <a:t>USED IN THE PROJECT</a:t>
             </a:r>
-            <a:endParaRPr lang="en-US" altLang="en-IN" sz="3200" dirty="0"/>
           </a:p>
         </p:txBody>
       </p:sp>
@@ -5730,14 +5393,6 @@
               </a:rPr>
               <a:t>Creating Database</a:t>
             </a:r>
-            <a:endParaRPr lang="en-IN" b="1" dirty="0">
-              <a:solidFill>
-                <a:schemeClr val="accent4">
-                  <a:lumMod val="60000"/>
-                  <a:lumOff val="40000"/>
-                </a:schemeClr>
-              </a:solidFill>
-            </a:endParaRPr>
           </a:p>
           <a:p>
             <a:pPr marL="285750" indent="-285750">
@@ -5755,14 +5410,6 @@
               </a:rPr>
               <a:t>Creating Table</a:t>
             </a:r>
-            <a:endParaRPr lang="en-IN" b="1" dirty="0">
-              <a:solidFill>
-                <a:schemeClr val="accent4">
-                  <a:lumMod val="60000"/>
-                  <a:lumOff val="40000"/>
-                </a:schemeClr>
-              </a:solidFill>
-            </a:endParaRPr>
           </a:p>
           <a:p>
             <a:pPr marL="285750" indent="-285750">
@@ -5780,14 +5427,6 @@
               </a:rPr>
               <a:t>Select</a:t>
             </a:r>
-            <a:endParaRPr lang="en-IN" b="1" dirty="0">
-              <a:solidFill>
-                <a:schemeClr val="accent4">
-                  <a:lumMod val="60000"/>
-                  <a:lumOff val="40000"/>
-                </a:schemeClr>
-              </a:solidFill>
-            </a:endParaRPr>
           </a:p>
           <a:p>
             <a:pPr marL="285750" indent="-285750">
@@ -5805,14 +5444,6 @@
               </a:rPr>
               <a:t>Datename</a:t>
             </a:r>
-            <a:endParaRPr lang="en-IN" b="1" dirty="0">
-              <a:solidFill>
-                <a:schemeClr val="accent4">
-                  <a:lumMod val="60000"/>
-                  <a:lumOff val="40000"/>
-                </a:schemeClr>
-              </a:solidFill>
-            </a:endParaRPr>
           </a:p>
           <a:p>
             <a:pPr marL="285750" indent="-285750">
@@ -5830,14 +5461,6 @@
               </a:rPr>
               <a:t>Datepart</a:t>
             </a:r>
-            <a:endParaRPr lang="en-IN" b="1" dirty="0">
-              <a:solidFill>
-                <a:schemeClr val="accent4">
-                  <a:lumMod val="60000"/>
-                  <a:lumOff val="40000"/>
-                </a:schemeClr>
-              </a:solidFill>
-            </a:endParaRPr>
           </a:p>
           <a:p>
             <a:pPr marL="285750" indent="-285750">
@@ -5855,14 +5478,6 @@
               </a:rPr>
               <a:t>Cast</a:t>
             </a:r>
-            <a:endParaRPr lang="en-IN" b="1" dirty="0">
-              <a:solidFill>
-                <a:schemeClr val="accent4">
-                  <a:lumMod val="60000"/>
-                  <a:lumOff val="40000"/>
-                </a:schemeClr>
-              </a:solidFill>
-            </a:endParaRPr>
           </a:p>
           <a:p>
             <a:pPr marL="285750" indent="-285750">
@@ -5880,14 +5495,6 @@
               </a:rPr>
               <a:t>Decimal</a:t>
             </a:r>
-            <a:endParaRPr lang="en-IN" b="1" dirty="0">
-              <a:solidFill>
-                <a:schemeClr val="accent4">
-                  <a:lumMod val="60000"/>
-                  <a:lumOff val="40000"/>
-                </a:schemeClr>
-              </a:solidFill>
-            </a:endParaRPr>
           </a:p>
           <a:p>
             <a:pPr marL="285750" indent="-285750">
@@ -5905,14 +5512,6 @@
               </a:rPr>
               <a:t>Month</a:t>
             </a:r>
-            <a:endParaRPr lang="en-IN" b="1" dirty="0">
-              <a:solidFill>
-                <a:schemeClr val="accent4">
-                  <a:lumMod val="60000"/>
-                  <a:lumOff val="40000"/>
-                </a:schemeClr>
-              </a:solidFill>
-            </a:endParaRPr>
           </a:p>
           <a:p>
             <a:pPr marL="285750" indent="-285750">
@@ -5930,14 +5529,6 @@
               </a:rPr>
               <a:t>Hour</a:t>
             </a:r>
-            <a:endParaRPr lang="en-IN" b="1" dirty="0">
-              <a:solidFill>
-                <a:schemeClr val="accent4">
-                  <a:lumMod val="60000"/>
-                  <a:lumOff val="40000"/>
-                </a:schemeClr>
-              </a:solidFill>
-            </a:endParaRPr>
           </a:p>
           <a:p>
             <a:pPr marL="285750" indent="-285750">
@@ -5955,14 +5546,6 @@
               </a:rPr>
               <a:t>Quarter</a:t>
             </a:r>
-            <a:endParaRPr lang="en-IN" b="1" dirty="0">
-              <a:solidFill>
-                <a:schemeClr val="accent4">
-                  <a:lumMod val="60000"/>
-                  <a:lumOff val="40000"/>
-                </a:schemeClr>
-              </a:solidFill>
-            </a:endParaRPr>
           </a:p>
           <a:p>
             <a:pPr marL="285750" indent="-285750">
@@ -5980,14 +5563,6 @@
               </a:rPr>
               <a:t>Day</a:t>
             </a:r>
-            <a:endParaRPr lang="en-IN" b="1" dirty="0">
-              <a:solidFill>
-                <a:schemeClr val="accent4">
-                  <a:lumMod val="60000"/>
-                  <a:lumOff val="40000"/>
-                </a:schemeClr>
-              </a:solidFill>
-            </a:endParaRPr>
           </a:p>
           <a:p>
             <a:pPr marL="285750" indent="-285750">
@@ -6005,14 +5580,6 @@
               </a:rPr>
               <a:t>Group by</a:t>
             </a:r>
-            <a:endParaRPr lang="en-IN" b="1" dirty="0">
-              <a:solidFill>
-                <a:schemeClr val="accent4">
-                  <a:lumMod val="60000"/>
-                  <a:lumOff val="40000"/>
-                </a:schemeClr>
-              </a:solidFill>
-            </a:endParaRPr>
           </a:p>
           <a:p>
             <a:pPr marL="285750" indent="-285750">
@@ -6030,14 +5597,6 @@
               </a:rPr>
               <a:t>Order by</a:t>
             </a:r>
-            <a:endParaRPr lang="en-IN" b="1" dirty="0">
-              <a:solidFill>
-                <a:schemeClr val="accent4">
-                  <a:lumMod val="60000"/>
-                  <a:lumOff val="40000"/>
-                </a:schemeClr>
-              </a:solidFill>
-            </a:endParaRPr>
           </a:p>
           <a:p>
             <a:pPr marL="285750" indent="-285750">
@@ -6055,14 +5614,6 @@
               </a:rPr>
               <a:t>Decimal</a:t>
             </a:r>
-            <a:endParaRPr lang="en-IN" b="1" dirty="0">
-              <a:solidFill>
-                <a:schemeClr val="accent4">
-                  <a:lumMod val="60000"/>
-                  <a:lumOff val="40000"/>
-                </a:schemeClr>
-              </a:solidFill>
-            </a:endParaRPr>
           </a:p>
           <a:p>
             <a:pPr marL="285750" indent="-285750">
@@ -6080,14 +5631,6 @@
               </a:rPr>
               <a:t>Limit</a:t>
             </a:r>
-            <a:endParaRPr lang="en-IN" b="1" dirty="0">
-              <a:solidFill>
-                <a:schemeClr val="accent4">
-                  <a:lumMod val="60000"/>
-                  <a:lumOff val="40000"/>
-                </a:schemeClr>
-              </a:solidFill>
-            </a:endParaRPr>
           </a:p>
           <a:p>
             <a:pPr marL="285750" indent="-285750">
@@ -6105,14 +5648,6 @@
               </a:rPr>
               <a:t>Count</a:t>
             </a:r>
-            <a:endParaRPr lang="en-IN" b="1" dirty="0">
-              <a:solidFill>
-                <a:schemeClr val="accent4">
-                  <a:lumMod val="60000"/>
-                  <a:lumOff val="40000"/>
-                </a:schemeClr>
-              </a:solidFill>
-            </a:endParaRPr>
           </a:p>
           <a:p>
             <a:pPr marL="285750" indent="-285750">
@@ -6130,14 +5665,6 @@
               </a:rPr>
               <a:t>Distinct</a:t>
             </a:r>
-            <a:endParaRPr lang="en-IN" b="1" dirty="0">
-              <a:solidFill>
-                <a:schemeClr val="accent4">
-                  <a:lumMod val="60000"/>
-                  <a:lumOff val="40000"/>
-                </a:schemeClr>
-              </a:solidFill>
-            </a:endParaRPr>
           </a:p>
           <a:p>
             <a:pPr marL="285750" indent="-285750">
@@ -6155,14 +5682,6 @@
               </a:rPr>
               <a:t>CTE</a:t>
             </a:r>
-            <a:endParaRPr lang="en-IN" b="1" dirty="0">
-              <a:solidFill>
-                <a:schemeClr val="accent4">
-                  <a:lumMod val="60000"/>
-                  <a:lumOff val="40000"/>
-                </a:schemeClr>
-              </a:solidFill>
-            </a:endParaRPr>
           </a:p>
           <a:p>
             <a:pPr marL="285750" indent="-285750">
@@ -6180,14 +5699,6 @@
               </a:rPr>
               <a:t>Partition</a:t>
             </a:r>
-            <a:endParaRPr lang="en-IN" b="1" dirty="0">
-              <a:solidFill>
-                <a:schemeClr val="accent4">
-                  <a:lumMod val="60000"/>
-                  <a:lumOff val="40000"/>
-                </a:schemeClr>
-              </a:solidFill>
-            </a:endParaRPr>
           </a:p>
         </p:txBody>
       </p:sp>
@@ -6225,15 +5736,6 @@
               </a:rPr>
               <a:t>SQL – MS SQL SERVER</a:t>
             </a:r>
-            <a:endParaRPr lang="en-IN" sz="1600" b="1" dirty="0">
-              <a:solidFill>
-                <a:schemeClr val="accent2">
-                  <a:lumMod val="60000"/>
-                  <a:lumOff val="40000"/>
-                </a:schemeClr>
-              </a:solidFill>
-              <a:latin typeface="Rockwell Extra Bold" panose="02060903040505020403" pitchFamily="18" charset="0"/>
-            </a:endParaRPr>
           </a:p>
         </p:txBody>
       </p:sp>
@@ -6274,6 +5776,119 @@
               </a:rPr>
               <a:t>Connecting to SQL Server</a:t>
             </a:r>
+          </a:p>
+          <a:p>
+            <a:pPr marL="285750" indent="-285750">
+              <a:buFont typeface="Wingdings" panose="05000000000000000000" pitchFamily="2" charset="2"/>
+              <a:buChar char="ü"/>
+            </a:pPr>
+            <a:r>
+              <a:rPr lang="en-IN" b="1" dirty="0">
+                <a:solidFill>
+                  <a:schemeClr val="accent2">
+                    <a:lumMod val="20000"/>
+                    <a:lumOff val="80000"/>
+                  </a:schemeClr>
+                </a:solidFill>
+              </a:rPr>
+              <a:t>Data Cleaning</a:t>
+            </a:r>
+          </a:p>
+          <a:p>
+            <a:pPr marL="285750" indent="-285750">
+              <a:buFont typeface="Wingdings" panose="05000000000000000000" pitchFamily="2" charset="2"/>
+              <a:buChar char="ü"/>
+            </a:pPr>
+            <a:r>
+              <a:rPr lang="en-IN" b="1" dirty="0">
+                <a:solidFill>
+                  <a:schemeClr val="accent2">
+                    <a:lumMod val="20000"/>
+                    <a:lumOff val="80000"/>
+                  </a:schemeClr>
+                </a:solidFill>
+              </a:rPr>
+              <a:t>Data Modelling</a:t>
+            </a:r>
+          </a:p>
+          <a:p>
+            <a:pPr marL="285750" indent="-285750">
+              <a:buFont typeface="Wingdings" panose="05000000000000000000" pitchFamily="2" charset="2"/>
+              <a:buChar char="ü"/>
+            </a:pPr>
+            <a:r>
+              <a:rPr lang="en-IN" b="1" dirty="0">
+                <a:solidFill>
+                  <a:schemeClr val="accent2">
+                    <a:lumMod val="20000"/>
+                    <a:lumOff val="80000"/>
+                  </a:schemeClr>
+                </a:solidFill>
+              </a:rPr>
+              <a:t>Data Processing</a:t>
+            </a:r>
+          </a:p>
+          <a:p>
+            <a:pPr marL="285750" indent="-285750">
+              <a:buFont typeface="Wingdings" panose="05000000000000000000" pitchFamily="2" charset="2"/>
+              <a:buChar char="ü"/>
+            </a:pPr>
+            <a:r>
+              <a:rPr lang="en-IN" b="1" dirty="0">
+                <a:solidFill>
+                  <a:schemeClr val="accent2">
+                    <a:lumMod val="20000"/>
+                    <a:lumOff val="80000"/>
+                  </a:schemeClr>
+                </a:solidFill>
+              </a:rPr>
+              <a:t>Power Query</a:t>
+            </a:r>
+          </a:p>
+          <a:p>
+            <a:pPr marL="285750" indent="-285750">
+              <a:buFont typeface="Wingdings" panose="05000000000000000000" pitchFamily="2" charset="2"/>
+              <a:buChar char="ü"/>
+            </a:pPr>
+            <a:r>
+              <a:rPr lang="en-IN" b="1" dirty="0">
+                <a:solidFill>
+                  <a:schemeClr val="accent2">
+                    <a:lumMod val="20000"/>
+                    <a:lumOff val="80000"/>
+                  </a:schemeClr>
+                </a:solidFill>
+              </a:rPr>
+              <a:t>Date Tables</a:t>
+            </a:r>
+          </a:p>
+          <a:p>
+            <a:pPr marL="285750" indent="-285750">
+              <a:buFont typeface="Wingdings" panose="05000000000000000000" pitchFamily="2" charset="2"/>
+              <a:buChar char="ü"/>
+            </a:pPr>
+            <a:r>
+              <a:rPr lang="en-IN" b="1" dirty="0">
+                <a:solidFill>
+                  <a:schemeClr val="accent2">
+                    <a:lumMod val="20000"/>
+                    <a:lumOff val="80000"/>
+                  </a:schemeClr>
+                </a:solidFill>
+              </a:rPr>
+              <a:t>Time Intelligence </a:t>
+            </a:r>
+            <a:r>
+              <a:rPr lang="en-IN" b="1" dirty="0" err="1">
+                <a:solidFill>
+                  <a:schemeClr val="accent2">
+                    <a:lumMod val="20000"/>
+                    <a:lumOff val="80000"/>
+                  </a:schemeClr>
+                </a:solidFill>
+              </a:rPr>
+              <a:t>Func</a:t>
+            </a:r>
             <a:endParaRPr lang="en-IN" b="1" dirty="0">
               <a:solidFill>
                 <a:schemeClr val="accent2">
@@ -6297,16 +5912,8 @@
                   </a:schemeClr>
                 </a:solidFill>
               </a:rPr>
-              <a:t>Data Cleaning</a:t>
-            </a:r>
-            <a:endParaRPr lang="en-IN" b="1" dirty="0">
-              <a:solidFill>
-                <a:schemeClr val="accent2">
-                  <a:lumMod val="20000"/>
-                  <a:lumOff val="80000"/>
-                </a:schemeClr>
-              </a:solidFill>
-            </a:endParaRPr>
+              <a:t>DAX</a:t>
+            </a:r>
           </a:p>
           <a:p>
             <a:pPr marL="285750" indent="-285750">
@@ -6322,16 +5929,8 @@
                   </a:schemeClr>
                 </a:solidFill>
               </a:rPr>
-              <a:t>Data Modelling</a:t>
-            </a:r>
-            <a:endParaRPr lang="en-IN" b="1" dirty="0">
-              <a:solidFill>
-                <a:schemeClr val="accent2">
-                  <a:lumMod val="20000"/>
-                  <a:lumOff val="80000"/>
-                </a:schemeClr>
-              </a:solidFill>
-            </a:endParaRPr>
+              <a:t>Date Function</a:t>
+            </a:r>
           </a:p>
           <a:p>
             <a:pPr marL="285750" indent="-285750">
@@ -6347,16 +5946,8 @@
                   </a:schemeClr>
                 </a:solidFill>
               </a:rPr>
-              <a:t>Data Processing</a:t>
-            </a:r>
-            <a:endParaRPr lang="en-IN" b="1" dirty="0">
-              <a:solidFill>
-                <a:schemeClr val="accent2">
-                  <a:lumMod val="20000"/>
-                  <a:lumOff val="80000"/>
-                </a:schemeClr>
-              </a:solidFill>
-            </a:endParaRPr>
+              <a:t>Text Function</a:t>
+            </a:r>
           </a:p>
           <a:p>
             <a:pPr marL="285750" indent="-285750">
@@ -6372,16 +5963,8 @@
                   </a:schemeClr>
                 </a:solidFill>
               </a:rPr>
-              <a:t>Power Query</a:t>
-            </a:r>
-            <a:endParaRPr lang="en-IN" b="1" dirty="0">
-              <a:solidFill>
-                <a:schemeClr val="accent2">
-                  <a:lumMod val="20000"/>
-                  <a:lumOff val="80000"/>
-                </a:schemeClr>
-              </a:solidFill>
-            </a:endParaRPr>
+              <a:t>Filter Function</a:t>
+            </a:r>
           </a:p>
           <a:p>
             <a:pPr marL="285750" indent="-285750">
@@ -6397,16 +5980,8 @@
                   </a:schemeClr>
                 </a:solidFill>
               </a:rPr>
-              <a:t>Date Tables</a:t>
-            </a:r>
-            <a:endParaRPr lang="en-IN" b="1" dirty="0">
-              <a:solidFill>
-                <a:schemeClr val="accent2">
-                  <a:lumMod val="20000"/>
-                  <a:lumOff val="80000"/>
-                </a:schemeClr>
-              </a:solidFill>
-            </a:endParaRPr>
+              <a:t>Calculate</a:t>
+            </a:r>
           </a:p>
           <a:p>
             <a:pPr marL="285750" indent="-285750">
@@ -6422,27 +5997,8 @@
                   </a:schemeClr>
                 </a:solidFill>
               </a:rPr>
-              <a:t>Time Intelligence </a:t>
-            </a:r>
-            <a:r>
-              <a:rPr lang="en-IN" b="1" dirty="0" err="1">
-                <a:solidFill>
-                  <a:schemeClr val="accent2">
-                    <a:lumMod val="20000"/>
-                    <a:lumOff val="80000"/>
-                  </a:schemeClr>
-                </a:solidFill>
-              </a:rPr>
-              <a:t>Func</a:t>
-            </a:r>
-            <a:endParaRPr lang="en-IN" b="1" dirty="0">
-              <a:solidFill>
-                <a:schemeClr val="accent2">
-                  <a:lumMod val="20000"/>
-                  <a:lumOff val="80000"/>
-                </a:schemeClr>
-              </a:solidFill>
-            </a:endParaRPr>
+              <a:t>SUM/ SUMX</a:t>
+            </a:r>
           </a:p>
           <a:p>
             <a:pPr marL="285750" indent="-285750">
@@ -6458,16 +6014,8 @@
                   </a:schemeClr>
                 </a:solidFill>
               </a:rPr>
-              <a:t>DAX</a:t>
-            </a:r>
-            <a:endParaRPr lang="en-IN" b="1" dirty="0">
-              <a:solidFill>
-                <a:schemeClr val="accent2">
-                  <a:lumMod val="20000"/>
-                  <a:lumOff val="80000"/>
-                </a:schemeClr>
-              </a:solidFill>
-            </a:endParaRPr>
+              <a:t>Creating KPI’s</a:t>
+            </a:r>
           </a:p>
           <a:p>
             <a:pPr marL="285750" indent="-285750">
@@ -6483,16 +6031,8 @@
                   </a:schemeClr>
                 </a:solidFill>
               </a:rPr>
-              <a:t>Date Function</a:t>
-            </a:r>
-            <a:endParaRPr lang="en-IN" b="1" dirty="0">
-              <a:solidFill>
-                <a:schemeClr val="accent2">
-                  <a:lumMod val="20000"/>
-                  <a:lumOff val="80000"/>
-                </a:schemeClr>
-              </a:solidFill>
-            </a:endParaRPr>
+              <a:t>New Card Visual</a:t>
+            </a:r>
           </a:p>
           <a:p>
             <a:pPr marL="285750" indent="-285750">
@@ -6508,16 +6048,8 @@
                   </a:schemeClr>
                 </a:solidFill>
               </a:rPr>
-              <a:t>Text Function</a:t>
-            </a:r>
-            <a:endParaRPr lang="en-IN" b="1" dirty="0">
-              <a:solidFill>
-                <a:schemeClr val="accent2">
-                  <a:lumMod val="20000"/>
-                  <a:lumOff val="80000"/>
-                </a:schemeClr>
-              </a:solidFill>
-            </a:endParaRPr>
+              <a:t>Creating Charts</a:t>
+            </a:r>
           </a:p>
           <a:p>
             <a:pPr marL="285750" indent="-285750">
@@ -6533,16 +6065,8 @@
                   </a:schemeClr>
                 </a:solidFill>
               </a:rPr>
-              <a:t>Filter Function</a:t>
-            </a:r>
-            <a:endParaRPr lang="en-IN" b="1" dirty="0">
-              <a:solidFill>
-                <a:schemeClr val="accent2">
-                  <a:lumMod val="20000"/>
-                  <a:lumOff val="80000"/>
-                </a:schemeClr>
-              </a:solidFill>
-            </a:endParaRPr>
+              <a:t>Formatting visuals</a:t>
+            </a:r>
           </a:p>
           <a:p>
             <a:pPr marL="285750" indent="-285750">
@@ -6558,16 +6082,8 @@
                   </a:schemeClr>
                 </a:solidFill>
               </a:rPr>
-              <a:t>Calculate</a:t>
-            </a:r>
-            <a:endParaRPr lang="en-IN" b="1" dirty="0">
-              <a:solidFill>
-                <a:schemeClr val="accent2">
-                  <a:lumMod val="20000"/>
-                  <a:lumOff val="80000"/>
-                </a:schemeClr>
-              </a:solidFill>
-            </a:endParaRPr>
+              <a:t>Creating Functions</a:t>
+            </a:r>
           </a:p>
           <a:p>
             <a:pPr marL="285750" indent="-285750">
@@ -6583,166 +6099,8 @@
                   </a:schemeClr>
                 </a:solidFill>
               </a:rPr>
-              <a:t>SUM/ SUMX</a:t>
-            </a:r>
-            <a:endParaRPr lang="en-IN" b="1" dirty="0">
-              <a:solidFill>
-                <a:schemeClr val="accent2">
-                  <a:lumMod val="20000"/>
-                  <a:lumOff val="80000"/>
-                </a:schemeClr>
-              </a:solidFill>
-            </a:endParaRPr>
-          </a:p>
-          <a:p>
-            <a:pPr marL="285750" indent="-285750">
-              <a:buFont typeface="Wingdings" panose="05000000000000000000" pitchFamily="2" charset="2"/>
-              <a:buChar char="ü"/>
-            </a:pPr>
-            <a:r>
-              <a:rPr lang="en-IN" b="1" dirty="0">
-                <a:solidFill>
-                  <a:schemeClr val="accent2">
-                    <a:lumMod val="20000"/>
-                    <a:lumOff val="80000"/>
-                  </a:schemeClr>
-                </a:solidFill>
-              </a:rPr>
-              <a:t>Creating KPI’s</a:t>
-            </a:r>
-            <a:endParaRPr lang="en-IN" b="1" dirty="0">
-              <a:solidFill>
-                <a:schemeClr val="accent2">
-                  <a:lumMod val="20000"/>
-                  <a:lumOff val="80000"/>
-                </a:schemeClr>
-              </a:solidFill>
-            </a:endParaRPr>
-          </a:p>
-          <a:p>
-            <a:pPr marL="285750" indent="-285750">
-              <a:buFont typeface="Wingdings" panose="05000000000000000000" pitchFamily="2" charset="2"/>
-              <a:buChar char="ü"/>
-            </a:pPr>
-            <a:r>
-              <a:rPr lang="en-IN" b="1" dirty="0">
-                <a:solidFill>
-                  <a:schemeClr val="accent2">
-                    <a:lumMod val="20000"/>
-                    <a:lumOff val="80000"/>
-                  </a:schemeClr>
-                </a:solidFill>
-              </a:rPr>
-              <a:t>New Card Visual</a:t>
-            </a:r>
-            <a:endParaRPr lang="en-IN" b="1" dirty="0">
-              <a:solidFill>
-                <a:schemeClr val="accent2">
-                  <a:lumMod val="20000"/>
-                  <a:lumOff val="80000"/>
-                </a:schemeClr>
-              </a:solidFill>
-            </a:endParaRPr>
-          </a:p>
-          <a:p>
-            <a:pPr marL="285750" indent="-285750">
-              <a:buFont typeface="Wingdings" panose="05000000000000000000" pitchFamily="2" charset="2"/>
-              <a:buChar char="ü"/>
-            </a:pPr>
-            <a:r>
-              <a:rPr lang="en-IN" b="1" dirty="0">
-                <a:solidFill>
-                  <a:schemeClr val="accent2">
-                    <a:lumMod val="20000"/>
-                    <a:lumOff val="80000"/>
-                  </a:schemeClr>
-                </a:solidFill>
-              </a:rPr>
-              <a:t>Creating Charts</a:t>
-            </a:r>
-            <a:endParaRPr lang="en-IN" b="1" dirty="0">
-              <a:solidFill>
-                <a:schemeClr val="accent2">
-                  <a:lumMod val="20000"/>
-                  <a:lumOff val="80000"/>
-                </a:schemeClr>
-              </a:solidFill>
-            </a:endParaRPr>
-          </a:p>
-          <a:p>
-            <a:pPr marL="285750" indent="-285750">
-              <a:buFont typeface="Wingdings" panose="05000000000000000000" pitchFamily="2" charset="2"/>
-              <a:buChar char="ü"/>
-            </a:pPr>
-            <a:r>
-              <a:rPr lang="en-IN" b="1" dirty="0">
-                <a:solidFill>
-                  <a:schemeClr val="accent2">
-                    <a:lumMod val="20000"/>
-                    <a:lumOff val="80000"/>
-                  </a:schemeClr>
-                </a:solidFill>
-              </a:rPr>
-              <a:t>Formatting visuals</a:t>
-            </a:r>
-            <a:endParaRPr lang="en-IN" b="1" dirty="0">
-              <a:solidFill>
-                <a:schemeClr val="accent2">
-                  <a:lumMod val="20000"/>
-                  <a:lumOff val="80000"/>
-                </a:schemeClr>
-              </a:solidFill>
-            </a:endParaRPr>
-          </a:p>
-          <a:p>
-            <a:pPr marL="285750" indent="-285750">
-              <a:buFont typeface="Wingdings" panose="05000000000000000000" pitchFamily="2" charset="2"/>
-              <a:buChar char="ü"/>
-            </a:pPr>
-            <a:r>
-              <a:rPr lang="en-IN" b="1" dirty="0">
-                <a:solidFill>
-                  <a:schemeClr val="accent2">
-                    <a:lumMod val="20000"/>
-                    <a:lumOff val="80000"/>
-                  </a:schemeClr>
-                </a:solidFill>
-              </a:rPr>
-              <a:t>Creating Functions</a:t>
-            </a:r>
-            <a:endParaRPr lang="en-IN" b="1" dirty="0">
-              <a:solidFill>
-                <a:schemeClr val="accent2">
-                  <a:lumMod val="20000"/>
-                  <a:lumOff val="80000"/>
-                </a:schemeClr>
-              </a:solidFill>
-            </a:endParaRPr>
-          </a:p>
-          <a:p>
-            <a:pPr marL="285750" indent="-285750">
-              <a:buFont typeface="Wingdings" panose="05000000000000000000" pitchFamily="2" charset="2"/>
-              <a:buChar char="ü"/>
-            </a:pPr>
-            <a:r>
-              <a:rPr lang="en-IN" b="1" dirty="0">
-                <a:solidFill>
-                  <a:schemeClr val="accent2">
-                    <a:lumMod val="20000"/>
-                    <a:lumOff val="80000"/>
-                  </a:schemeClr>
-                </a:solidFill>
-              </a:rPr>
               <a:t>Navigations</a:t>
             </a:r>
-            <a:endParaRPr lang="en-IN" b="1" dirty="0">
-              <a:solidFill>
-                <a:schemeClr val="accent2">
-                  <a:lumMod val="20000"/>
-                  <a:lumOff val="80000"/>
-                </a:schemeClr>
-              </a:solidFill>
-            </a:endParaRPr>
           </a:p>
         </p:txBody>
       </p:sp>
@@ -6777,12 +6135,6 @@
               </a:rPr>
               <a:t>POWER BI</a:t>
             </a:r>
-            <a:endParaRPr lang="en-IN" sz="1600" b="1" dirty="0">
-              <a:solidFill>
-                <a:srgbClr val="FFFF00"/>
-              </a:solidFill>
-              <a:latin typeface="Rockwell Extra Bold" panose="02060903040505020403" pitchFamily="18" charset="0"/>
-            </a:endParaRPr>
           </a:p>
         </p:txBody>
       </p:sp>
@@ -7048,6 +6400,8 @@
       </a:bgFillStyleLst>
     </a:fmtScheme>
   </a:themeElements>
+  <a:objectDefaults/>
+  <a:extraClrSchemeLst/>
   <a:extLst>
     <a:ext uri="{05A4C25C-085E-4340-85A3-A5531E510DB2}">
       <thm15:themeFamily xmlns:thm15="http://schemas.microsoft.com/office/thememl/2012/main" name="Office Theme" id="{62F939B6-93AF-4DB8-9C6B-D6C7DFDC589F}" vid="{4A3C46E8-61CC-4603-A589-7422A47A8E4A}"/>
